--- a/assets/PSI June 2023 Poster AIMS.pptx
+++ b/assets/PSI June 2023 Poster AIMS.pptx
@@ -297,7 +297,7 @@
           <a:p>
             <a:fld id="{6308AA3A-3D91-418B-BB03-26E9CDC55901}" type="datetimeFigureOut">
               <a:rPr lang="en-US" smtClean="0"/>
-              <a:t>5/17/2023</a:t>
+              <a:t>5/13/2025</a:t>
             </a:fld>
             <a:endParaRPr lang="en-US"/>
           </a:p>
@@ -777,7 +777,7 @@
           <a:p>
             <a:fld id="{3F135061-2F74-46D4-9F8F-C77EF304855D}" type="datetimeFigureOut">
               <a:rPr lang="en-US" smtClean="0"/>
-              <a:t>5/17/2023</a:t>
+              <a:t>5/13/2025</a:t>
             </a:fld>
             <a:endParaRPr lang="en-US"/>
           </a:p>
@@ -945,7 +945,7 @@
           <a:p>
             <a:fld id="{3F135061-2F74-46D4-9F8F-C77EF304855D}" type="datetimeFigureOut">
               <a:rPr lang="en-US" smtClean="0"/>
-              <a:t>5/17/2023</a:t>
+              <a:t>5/13/2025</a:t>
             </a:fld>
             <a:endParaRPr lang="en-US"/>
           </a:p>
@@ -1123,7 +1123,7 @@
           <a:p>
             <a:fld id="{3F135061-2F74-46D4-9F8F-C77EF304855D}" type="datetimeFigureOut">
               <a:rPr lang="en-US" smtClean="0"/>
-              <a:t>5/17/2023</a:t>
+              <a:t>5/13/2025</a:t>
             </a:fld>
             <a:endParaRPr lang="en-US"/>
           </a:p>
@@ -1291,7 +1291,7 @@
           <a:p>
             <a:fld id="{3F135061-2F74-46D4-9F8F-C77EF304855D}" type="datetimeFigureOut">
               <a:rPr lang="en-US" smtClean="0"/>
-              <a:t>5/17/2023</a:t>
+              <a:t>5/13/2025</a:t>
             </a:fld>
             <a:endParaRPr lang="en-US"/>
           </a:p>
@@ -1534,7 +1534,7 @@
           <a:p>
             <a:fld id="{3F135061-2F74-46D4-9F8F-C77EF304855D}" type="datetimeFigureOut">
               <a:rPr lang="en-US" smtClean="0"/>
-              <a:t>5/17/2023</a:t>
+              <a:t>5/13/2025</a:t>
             </a:fld>
             <a:endParaRPr lang="en-US"/>
           </a:p>
@@ -1763,7 +1763,7 @@
           <a:p>
             <a:fld id="{3F135061-2F74-46D4-9F8F-C77EF304855D}" type="datetimeFigureOut">
               <a:rPr lang="en-US" smtClean="0"/>
-              <a:t>5/17/2023</a:t>
+              <a:t>5/13/2025</a:t>
             </a:fld>
             <a:endParaRPr lang="en-US"/>
           </a:p>
@@ -2127,7 +2127,7 @@
           <a:p>
             <a:fld id="{3F135061-2F74-46D4-9F8F-C77EF304855D}" type="datetimeFigureOut">
               <a:rPr lang="en-US" smtClean="0"/>
-              <a:t>5/17/2023</a:t>
+              <a:t>5/13/2025</a:t>
             </a:fld>
             <a:endParaRPr lang="en-US"/>
           </a:p>
@@ -2244,7 +2244,7 @@
           <a:p>
             <a:fld id="{3F135061-2F74-46D4-9F8F-C77EF304855D}" type="datetimeFigureOut">
               <a:rPr lang="en-US" smtClean="0"/>
-              <a:t>5/17/2023</a:t>
+              <a:t>5/13/2025</a:t>
             </a:fld>
             <a:endParaRPr lang="en-US"/>
           </a:p>
@@ -2339,7 +2339,7 @@
           <a:p>
             <a:fld id="{3F135061-2F74-46D4-9F8F-C77EF304855D}" type="datetimeFigureOut">
               <a:rPr lang="en-US" smtClean="0"/>
-              <a:t>5/17/2023</a:t>
+              <a:t>5/13/2025</a:t>
             </a:fld>
             <a:endParaRPr lang="en-US"/>
           </a:p>
@@ -2614,7 +2614,7 @@
           <a:p>
             <a:fld id="{3F135061-2F74-46D4-9F8F-C77EF304855D}" type="datetimeFigureOut">
               <a:rPr lang="en-US" smtClean="0"/>
-              <a:t>5/17/2023</a:t>
+              <a:t>5/13/2025</a:t>
             </a:fld>
             <a:endParaRPr lang="en-US"/>
           </a:p>
@@ -2869,7 +2869,7 @@
           <a:p>
             <a:fld id="{3F135061-2F74-46D4-9F8F-C77EF304855D}" type="datetimeFigureOut">
               <a:rPr lang="en-US" smtClean="0"/>
-              <a:t>5/17/2023</a:t>
+              <a:t>5/13/2025</a:t>
             </a:fld>
             <a:endParaRPr lang="en-US"/>
           </a:p>
@@ -3080,7 +3080,7 @@
           <a:p>
             <a:fld id="{3F135061-2F74-46D4-9F8F-C77EF304855D}" type="datetimeFigureOut">
               <a:rPr lang="en-US" smtClean="0"/>
-              <a:t>5/17/2023</a:t>
+              <a:t>5/13/2025</a:t>
             </a:fld>
             <a:endParaRPr lang="en-US"/>
           </a:p>
@@ -5730,8 +5730,27 @@
                 <a:latin typeface="Verdana" panose="020B0604030504040204" pitchFamily="34" charset="0"/>
                 <a:ea typeface="Verdana" panose="020B0604030504040204" pitchFamily="34" charset="0"/>
               </a:rPr>
-              <a:t>container</a:t>
-            </a:r>
+              <a:t>container, </a:t>
+            </a:r>
+            <a:r>
+              <a:rPr lang="en-US" sz="3600" b="0" i="0" dirty="0" err="1">
+                <a:solidFill>
+                  <a:schemeClr val="bg1"/>
+                </a:solidFill>
+                <a:effectLst/>
+                <a:latin typeface="Verdana" panose="020B0604030504040204" pitchFamily="34" charset="0"/>
+                <a:ea typeface="Verdana" panose="020B0604030504040204" pitchFamily="34" charset="0"/>
+              </a:rPr>
+              <a:t>json</a:t>
+            </a:r>
+            <a:endParaRPr lang="en-US" sz="3600" b="0" i="0" dirty="0">
+              <a:solidFill>
+                <a:schemeClr val="bg1"/>
+              </a:solidFill>
+              <a:effectLst/>
+              <a:latin typeface="Verdana" panose="020B0604030504040204" pitchFamily="34" charset="0"/>
+              <a:ea typeface="Verdana" panose="020B0604030504040204" pitchFamily="34" charset="0"/>
+            </a:endParaRPr>
           </a:p>
         </p:txBody>
       </p:sp>
@@ -5765,6 +5784,16 @@
           <a:p>
             <a:pPr algn="l"/>
             <a:r>
+              <a:rPr lang="en-US" sz="3600" dirty="0">
+                <a:solidFill>
+                  <a:schemeClr val="bg1"/>
+                </a:solidFill>
+                <a:latin typeface="Verdana" panose="020B0604030504040204" pitchFamily="34" charset="0"/>
+                <a:ea typeface="Verdana" panose="020B0604030504040204" pitchFamily="34" charset="0"/>
+              </a:rPr>
+              <a:t>5</a:t>
+            </a:r>
+            <a:r>
               <a:rPr lang="en-US" sz="3600" b="0" i="0" dirty="0">
                 <a:solidFill>
                   <a:schemeClr val="bg1"/>
@@ -5773,7 +5802,7 @@
                 <a:latin typeface="Verdana" panose="020B0604030504040204" pitchFamily="34" charset="0"/>
                 <a:ea typeface="Verdana" panose="020B0604030504040204" pitchFamily="34" charset="0"/>
               </a:rPr>
-              <a:t>4 pilots</a:t>
+              <a:t> pilots</a:t>
             </a:r>
           </a:p>
         </p:txBody>
@@ -6358,36 +6387,6 @@
           </a:extLst>
         </p:spPr>
       </p:pic>
-      <p:pic>
-        <p:nvPicPr>
-          <p:cNvPr id="2087" name="Picture 2086">
-            <a:extLst>
-              <a:ext uri="{FF2B5EF4-FFF2-40B4-BE49-F238E27FC236}">
-                <a16:creationId xmlns:a16="http://schemas.microsoft.com/office/drawing/2014/main" id="{771A90C5-714A-48A4-F577-5617E65194C8}"/>
-              </a:ext>
-            </a:extLst>
-          </p:cNvPr>
-          <p:cNvPicPr>
-            <a:picLocks noChangeAspect="1"/>
-          </p:cNvPicPr>
-          <p:nvPr/>
-        </p:nvPicPr>
-        <p:blipFill>
-          <a:blip r:embed="rId29"/>
-          <a:stretch>
-            <a:fillRect/>
-          </a:stretch>
-        </p:blipFill>
-        <p:spPr>
-          <a:xfrm>
-            <a:off x="29097601" y="17432963"/>
-            <a:ext cx="1944418" cy="2158562"/>
-          </a:xfrm>
-          <a:prstGeom prst="rect">
-            <a:avLst/>
-          </a:prstGeom>
-        </p:spPr>
-      </p:pic>
       <p:sp>
         <p:nvSpPr>
           <p:cNvPr id="2088" name="TextBox 2087">
@@ -6503,232 +6502,6 @@
           </a:p>
         </p:txBody>
       </p:sp>
-      <p:sp>
-        <p:nvSpPr>
-          <p:cNvPr id="17" name="TextBox 16">
-            <a:extLst>
-              <a:ext uri="{FF2B5EF4-FFF2-40B4-BE49-F238E27FC236}">
-                <a16:creationId xmlns:a16="http://schemas.microsoft.com/office/drawing/2014/main" id="{7A239802-0135-30BD-2ABA-80C66ECCFB1B}"/>
-              </a:ext>
-            </a:extLst>
-          </p:cNvPr>
-          <p:cNvSpPr txBox="1"/>
-          <p:nvPr/>
-        </p:nvSpPr>
-        <p:spPr>
-          <a:xfrm>
-            <a:off x="2078490" y="316679"/>
-            <a:ext cx="4993172" cy="412549"/>
-          </a:xfrm>
-          <a:prstGeom prst="rect">
-            <a:avLst/>
-          </a:prstGeom>
-          <a:noFill/>
-        </p:spPr>
-        <p:txBody>
-          <a:bodyPr wrap="square" rtlCol="0">
-            <a:spAutoFit/>
-          </a:bodyPr>
-          <a:lstStyle/>
-          <a:p>
-            <a:pPr defTabSz="396347" fontAlgn="auto">
-              <a:spcBef>
-                <a:spcPts val="0"/>
-              </a:spcBef>
-              <a:spcAft>
-                <a:spcPts val="0"/>
-              </a:spcAft>
-            </a:pPr>
-            <a:r>
-              <a:rPr lang="en-US" sz="2081" b="1" dirty="0">
-                <a:latin typeface="Verdana" panose="020B0604030504040204" pitchFamily="34" charset="0"/>
-                <a:ea typeface="Verdana" panose="020B0604030504040204" pitchFamily="34" charset="0"/>
-                <a:cs typeface="Segoe UI" panose="020B0502040204020203" pitchFamily="34" charset="0"/>
-              </a:rPr>
-              <a:t>PRESENTER</a:t>
-            </a:r>
-          </a:p>
-        </p:txBody>
-      </p:sp>
-      <p:sp>
-        <p:nvSpPr>
-          <p:cNvPr id="19" name="TextBox 18">
-            <a:extLst>
-              <a:ext uri="{FF2B5EF4-FFF2-40B4-BE49-F238E27FC236}">
-                <a16:creationId xmlns:a16="http://schemas.microsoft.com/office/drawing/2014/main" id="{D38E5ECC-0920-DBCD-CB77-AD47C1C27AE4}"/>
-              </a:ext>
-            </a:extLst>
-          </p:cNvPr>
-          <p:cNvSpPr txBox="1"/>
-          <p:nvPr/>
-        </p:nvSpPr>
-        <p:spPr>
-          <a:xfrm>
-            <a:off x="2078489" y="586317"/>
-            <a:ext cx="4993172" cy="892680"/>
-          </a:xfrm>
-          <a:prstGeom prst="rect">
-            <a:avLst/>
-          </a:prstGeom>
-          <a:noFill/>
-        </p:spPr>
-        <p:txBody>
-          <a:bodyPr wrap="square" rtlCol="0">
-            <a:spAutoFit/>
-          </a:bodyPr>
-          <a:lstStyle/>
-          <a:p>
-            <a:pPr defTabSz="396347" fontAlgn="auto">
-              <a:spcBef>
-                <a:spcPts val="0"/>
-              </a:spcBef>
-              <a:spcAft>
-                <a:spcPts val="0"/>
-              </a:spcAft>
-            </a:pPr>
-            <a:r>
-              <a:rPr lang="en-US" sz="5201" b="1" dirty="0">
-                <a:latin typeface="Verdana" panose="020B0604030504040204" pitchFamily="34" charset="0"/>
-                <a:ea typeface="Verdana" panose="020B0604030504040204" pitchFamily="34" charset="0"/>
-                <a:cs typeface="Segoe UI" panose="020B0502040204020203" pitchFamily="34" charset="0"/>
-              </a:rPr>
-              <a:t>Martin </a:t>
-            </a:r>
-            <a:r>
-              <a:rPr lang="en-US" sz="5201" dirty="0">
-                <a:latin typeface="Verdana" panose="020B0604030504040204" pitchFamily="34" charset="0"/>
-                <a:ea typeface="Verdana" panose="020B0604030504040204" pitchFamily="34" charset="0"/>
-                <a:cs typeface="Segoe UI Light" panose="020B0502040204020203" pitchFamily="34" charset="0"/>
-              </a:rPr>
-              <a:t>Brown</a:t>
-            </a:r>
-          </a:p>
-        </p:txBody>
-      </p:sp>
-      <p:sp>
-        <p:nvSpPr>
-          <p:cNvPr id="20" name="TextBox 19">
-            <a:extLst>
-              <a:ext uri="{FF2B5EF4-FFF2-40B4-BE49-F238E27FC236}">
-                <a16:creationId xmlns:a16="http://schemas.microsoft.com/office/drawing/2014/main" id="{E30E4B84-8551-85F8-37C3-7542397305D0}"/>
-              </a:ext>
-            </a:extLst>
-          </p:cNvPr>
-          <p:cNvSpPr txBox="1"/>
-          <p:nvPr/>
-        </p:nvSpPr>
-        <p:spPr>
-          <a:xfrm>
-            <a:off x="2078489" y="1425372"/>
-            <a:ext cx="8118585" cy="1292662"/>
-          </a:xfrm>
-          <a:prstGeom prst="rect">
-            <a:avLst/>
-          </a:prstGeom>
-          <a:noFill/>
-        </p:spPr>
-        <p:txBody>
-          <a:bodyPr wrap="square" lIns="91440" tIns="45720" rIns="91440" bIns="45720" rtlCol="0" anchor="t">
-            <a:spAutoFit/>
-          </a:bodyPr>
-          <a:lstStyle/>
-          <a:p>
-            <a:pPr defTabSz="396347" fontAlgn="auto">
-              <a:spcBef>
-                <a:spcPts val="0"/>
-              </a:spcBef>
-              <a:spcAft>
-                <a:spcPts val="0"/>
-              </a:spcAft>
-            </a:pPr>
-            <a:r>
-              <a:rPr lang="en-US" sz="2600" b="1" dirty="0">
-                <a:latin typeface="Verdana"/>
-                <a:ea typeface="Verdana"/>
-                <a:cs typeface="Segoe UI"/>
-              </a:rPr>
-              <a:t>AIMS SIG Chair,</a:t>
-            </a:r>
-          </a:p>
-          <a:p>
-            <a:pPr defTabSz="396347" fontAlgn="auto">
-              <a:spcBef>
-                <a:spcPts val="0"/>
-              </a:spcBef>
-              <a:spcAft>
-                <a:spcPts val="0"/>
-              </a:spcAft>
-            </a:pPr>
-            <a:r>
-              <a:rPr lang="en-US" sz="2600" b="1" dirty="0">
-                <a:latin typeface="Verdana"/>
-                <a:ea typeface="Verdana"/>
-                <a:cs typeface="Segoe UI"/>
-              </a:rPr>
-              <a:t>PPD, Part of </a:t>
-            </a:r>
-          </a:p>
-          <a:p>
-            <a:pPr defTabSz="396347" fontAlgn="auto">
-              <a:spcBef>
-                <a:spcPts val="0"/>
-              </a:spcBef>
-              <a:spcAft>
-                <a:spcPts val="0"/>
-              </a:spcAft>
-            </a:pPr>
-            <a:r>
-              <a:rPr lang="en-US" sz="2600" b="1" dirty="0">
-                <a:latin typeface="Verdana"/>
-                <a:ea typeface="Verdana"/>
-                <a:cs typeface="Segoe UI"/>
-              </a:rPr>
-              <a:t>Thermo Fisher Scientific</a:t>
-            </a:r>
-            <a:endParaRPr lang="en-US" sz="2600" dirty="0">
-              <a:latin typeface="Verdana"/>
-              <a:ea typeface="Verdana"/>
-              <a:cs typeface="Segoe UI"/>
-            </a:endParaRPr>
-          </a:p>
-        </p:txBody>
-      </p:sp>
-      <p:pic>
-        <p:nvPicPr>
-          <p:cNvPr id="21" name="Picture 20" descr="A person wearing glasses&#10;&#10;Description automatically generated with medium confidence">
-            <a:extLst>
-              <a:ext uri="{FF2B5EF4-FFF2-40B4-BE49-F238E27FC236}">
-                <a16:creationId xmlns:a16="http://schemas.microsoft.com/office/drawing/2014/main" id="{21A9C625-FA7A-898E-F41C-1BCD2A15D447}"/>
-              </a:ext>
-            </a:extLst>
-          </p:cNvPr>
-          <p:cNvPicPr>
-            <a:picLocks noChangeAspect="1"/>
-          </p:cNvPicPr>
-          <p:nvPr/>
-        </p:nvPicPr>
-        <p:blipFill>
-          <a:blip r:embed="rId30">
-            <a:extLst>
-              <a:ext uri="{28A0092B-C50C-407E-A947-70E740481C1C}">
-                <a14:useLocalDpi xmlns:a14="http://schemas.microsoft.com/office/drawing/2010/main" val="0"/>
-              </a:ext>
-            </a:extLst>
-          </a:blip>
-          <a:stretch>
-            <a:fillRect/>
-          </a:stretch>
-        </p:blipFill>
-        <p:spPr>
-          <a:xfrm>
-            <a:off x="447800" y="558039"/>
-            <a:ext cx="1450974" cy="1932599"/>
-          </a:xfrm>
-          <a:prstGeom prst="rect">
-            <a:avLst/>
-          </a:prstGeom>
-        </p:spPr>
-      </p:pic>
       <p:pic>
         <p:nvPicPr>
           <p:cNvPr id="1028" name="Picture 4" descr="RVH Implementation">
@@ -6744,7 +6517,7 @@
           <p:nvPr/>
         </p:nvPicPr>
         <p:blipFill>
-          <a:blip r:embed="rId31">
+          <a:blip r:embed="rId29">
             <a:extLst>
               <a:ext uri="{28A0092B-C50C-407E-A947-70E740481C1C}">
                 <a14:useLocalDpi xmlns:a14="http://schemas.microsoft.com/office/drawing/2010/main" val="0"/>
@@ -6784,7 +6557,7 @@
           <p:nvPr/>
         </p:nvPicPr>
         <p:blipFill rotWithShape="1">
-          <a:blip r:embed="rId32">
+          <a:blip r:embed="rId30">
             <a:extLst>
               <a:ext uri="{28A0092B-C50C-407E-A947-70E740481C1C}">
                 <a14:useLocalDpi xmlns:a14="http://schemas.microsoft.com/office/drawing/2010/main" val="0"/>
@@ -6822,7 +6595,7 @@
           <p:nvPr/>
         </p:nvPicPr>
         <p:blipFill rotWithShape="1">
-          <a:blip r:embed="rId33">
+          <a:blip r:embed="rId31">
             <a:extLst>
               <a:ext uri="{28A0092B-C50C-407E-A947-70E740481C1C}">
                 <a14:useLocalDpi xmlns:a14="http://schemas.microsoft.com/office/drawing/2010/main" val="0"/>
@@ -6898,8 +6671,8 @@
         </p:nvSpPr>
         <p:spPr>
           <a:xfrm>
-            <a:off x="14716879" y="17792067"/>
-            <a:ext cx="6368041" cy="2862322"/>
+            <a:off x="14791373" y="18971725"/>
+            <a:ext cx="6368041" cy="1200329"/>
           </a:xfrm>
           <a:prstGeom prst="rect">
             <a:avLst/>
@@ -6921,46 +6694,7 @@
                 <a:latin typeface="Verdana" panose="020B0604030504040204" pitchFamily="34" charset="0"/>
                 <a:ea typeface="Verdana" panose="020B0604030504040204" pitchFamily="34" charset="0"/>
               </a:rPr>
-              <a:t>Working group with multiple projects:</a:t>
-            </a:r>
-          </a:p>
-          <a:p>
-            <a:pPr algn="ctr"/>
-            <a:r>
-              <a:rPr lang="en-GB" sz="3600" dirty="0">
-                <a:solidFill>
-                  <a:schemeClr val="bg1"/>
-                </a:solidFill>
-                <a:latin typeface="Verdana" panose="020B0604030504040204" pitchFamily="34" charset="0"/>
-                <a:ea typeface="Verdana" panose="020B0604030504040204" pitchFamily="34" charset="0"/>
-              </a:rPr>
-              <a:t>Interactive visualisations</a:t>
-            </a:r>
-          </a:p>
-          <a:p>
-            <a:pPr algn="ctr"/>
-            <a:r>
-              <a:rPr lang="en-GB" sz="3600" dirty="0">
-                <a:solidFill>
-                  <a:schemeClr val="bg1"/>
-                </a:solidFill>
-                <a:latin typeface="Verdana" panose="020B0604030504040204" pitchFamily="34" charset="0"/>
-                <a:ea typeface="Verdana" panose="020B0604030504040204" pitchFamily="34" charset="0"/>
-              </a:rPr>
-              <a:t>Open-source</a:t>
-            </a:r>
-          </a:p>
-          <a:p>
-            <a:pPr algn="ctr"/>
-            <a:r>
-              <a:rPr lang="en-GB" sz="3600" dirty="0">
-                <a:solidFill>
-                  <a:schemeClr val="bg1"/>
-                </a:solidFill>
-                <a:latin typeface="Verdana" panose="020B0604030504040204" pitchFamily="34" charset="0"/>
-                <a:ea typeface="Verdana" panose="020B0604030504040204" pitchFamily="34" charset="0"/>
-              </a:rPr>
-              <a:t> collaboration</a:t>
+              <a:t>Working groups with multiple projects</a:t>
             </a:r>
             <a:endParaRPr lang="en-US" sz="4400" dirty="0">
               <a:solidFill>
@@ -6986,8 +6720,8 @@
         </p:nvSpPr>
         <p:spPr>
           <a:xfrm>
-            <a:off x="15453760" y="16427640"/>
-            <a:ext cx="6368041" cy="1200329"/>
+            <a:off x="15481340" y="16580460"/>
+            <a:ext cx="6368041" cy="2308324"/>
           </a:xfrm>
           <a:prstGeom prst="rect">
             <a:avLst/>
@@ -7000,6 +6734,11 @@
           </a:bodyPr>
           <a:lstStyle/>
           <a:p>
+            <a:pPr>
+              <a:spcBef>
+                <a:spcPts val="600"/>
+              </a:spcBef>
+            </a:pPr>
             <a:r>
               <a:rPr lang="en-GB" sz="3600" dirty="0">
                 <a:solidFill>
@@ -7022,13 +6761,18 @@
               </a:rPr>
               <a:t>Open Source Technology</a:t>
             </a:r>
-            <a:endParaRPr lang="en-US" sz="4400" dirty="0">
-              <a:solidFill>
-                <a:schemeClr val="bg1"/>
-              </a:solidFill>
-              <a:latin typeface="Verdana" panose="020B0604030504040204" pitchFamily="34" charset="0"/>
-              <a:ea typeface="Verdana" panose="020B0604030504040204" pitchFamily="34" charset="0"/>
-            </a:endParaRPr>
+          </a:p>
+          <a:p>
+            <a:r>
+              <a:rPr lang="en-US" sz="3600" dirty="0">
+                <a:solidFill>
+                  <a:schemeClr val="bg1"/>
+                </a:solidFill>
+                <a:latin typeface="Verdana" panose="020B0604030504040204" pitchFamily="34" charset="0"/>
+                <a:ea typeface="Verdana" panose="020B0604030504040204" pitchFamily="34" charset="0"/>
+              </a:rPr>
+              <a:t>Emerging Trends &amp; Innovation</a:t>
+            </a:r>
           </a:p>
         </p:txBody>
       </p:sp>
@@ -7047,13 +6791,13 @@
           <p:nvPr/>
         </p:nvPicPr>
         <p:blipFill>
-          <a:blip r:embed="rId34">
+          <a:blip r:embed="rId32">
             <a:extLst>
               <a:ext uri="{28A0092B-C50C-407E-A947-70E740481C1C}">
                 <a14:useLocalDpi xmlns:a14="http://schemas.microsoft.com/office/drawing/2010/main" val="0"/>
               </a:ext>
               <a:ext uri="{96DAC541-7B7A-43D3-8B79-37D633B846F1}">
-                <asvg:svgBlip xmlns:asvg="http://schemas.microsoft.com/office/drawing/2016/SVG/main" r:embed="rId35"/>
+                <asvg:svgBlip xmlns:asvg="http://schemas.microsoft.com/office/drawing/2016/SVG/main" r:embed="rId33"/>
               </a:ext>
             </a:extLst>
           </a:blip>
@@ -7063,7 +6807,7 @@
         </p:blipFill>
         <p:spPr>
           <a:xfrm>
-            <a:off x="14551504" y="16501733"/>
+            <a:off x="14559222" y="17642060"/>
             <a:ext cx="914400" cy="914400"/>
           </a:xfrm>
           <a:prstGeom prst="rect">
@@ -7128,7 +6872,7 @@
           <p:nvPr/>
         </p:nvPicPr>
         <p:blipFill>
-          <a:blip r:embed="rId36">
+          <a:blip r:embed="rId34">
             <a:extLst>
               <a:ext uri="{28A0092B-C50C-407E-A947-70E740481C1C}">
                 <a14:useLocalDpi xmlns:a14="http://schemas.microsoft.com/office/drawing/2010/main" val="0"/>
@@ -7257,486 +7001,6 @@
           </a:p>
         </p:txBody>
       </p:sp>
-      <p:sp>
-        <p:nvSpPr>
-          <p:cNvPr id="24" name="Graphic 7">
-            <a:extLst>
-              <a:ext uri="{FF2B5EF4-FFF2-40B4-BE49-F238E27FC236}">
-                <a16:creationId xmlns:a16="http://schemas.microsoft.com/office/drawing/2014/main" id="{3BF042A9-CBC3-DFAB-F33B-4BFA41D95A17}"/>
-              </a:ext>
-            </a:extLst>
-          </p:cNvPr>
-          <p:cNvSpPr>
-            <a:spLocks noChangeAspect="1"/>
-          </p:cNvSpPr>
-          <p:nvPr/>
-        </p:nvSpPr>
-        <p:spPr>
-          <a:xfrm>
-            <a:off x="5458462" y="3522198"/>
-            <a:ext cx="845819" cy="1463040"/>
-          </a:xfrm>
-          <a:custGeom>
-            <a:avLst/>
-            <a:gdLst>
-              <a:gd name="connsiteX0" fmla="*/ 321256 w 2089376"/>
-              <a:gd name="connsiteY0" fmla="*/ 0 h 3614056"/>
-              <a:gd name="connsiteX1" fmla="*/ 0 w 2089376"/>
-              <a:gd name="connsiteY1" fmla="*/ 321256 h 3614056"/>
-              <a:gd name="connsiteX2" fmla="*/ 0 w 2089376"/>
-              <a:gd name="connsiteY2" fmla="*/ 3292801 h 3614056"/>
-              <a:gd name="connsiteX3" fmla="*/ 321256 w 2089376"/>
-              <a:gd name="connsiteY3" fmla="*/ 3614057 h 3614056"/>
-              <a:gd name="connsiteX4" fmla="*/ 1815047 w 2089376"/>
-              <a:gd name="connsiteY4" fmla="*/ 3614057 h 3614056"/>
-              <a:gd name="connsiteX5" fmla="*/ 2136303 w 2089376"/>
-              <a:gd name="connsiteY5" fmla="*/ 3292801 h 3614056"/>
-              <a:gd name="connsiteX6" fmla="*/ 2136303 w 2089376"/>
-              <a:gd name="connsiteY6" fmla="*/ 321256 h 3614056"/>
-              <a:gd name="connsiteX7" fmla="*/ 1815047 w 2089376"/>
-              <a:gd name="connsiteY7" fmla="*/ 0 h 3614056"/>
-              <a:gd name="connsiteX8" fmla="*/ 321256 w 2089376"/>
-              <a:gd name="connsiteY8" fmla="*/ 0 h 3614056"/>
-              <a:gd name="connsiteX9" fmla="*/ 889115 w 2089376"/>
-              <a:gd name="connsiteY9" fmla="*/ 309397 h 3614056"/>
-              <a:gd name="connsiteX10" fmla="*/ 1247302 w 2089376"/>
-              <a:gd name="connsiteY10" fmla="*/ 309397 h 3614056"/>
-              <a:gd name="connsiteX11" fmla="*/ 1289936 w 2089376"/>
-              <a:gd name="connsiteY11" fmla="*/ 369650 h 3614056"/>
-              <a:gd name="connsiteX12" fmla="*/ 1247302 w 2089376"/>
-              <a:gd name="connsiteY12" fmla="*/ 429903 h 3614056"/>
-              <a:gd name="connsiteX13" fmla="*/ 889115 w 2089376"/>
-              <a:gd name="connsiteY13" fmla="*/ 429903 h 3614056"/>
-              <a:gd name="connsiteX14" fmla="*/ 846480 w 2089376"/>
-              <a:gd name="connsiteY14" fmla="*/ 369650 h 3614056"/>
-              <a:gd name="connsiteX15" fmla="*/ 889115 w 2089376"/>
-              <a:gd name="connsiteY15" fmla="*/ 309397 h 3614056"/>
-              <a:gd name="connsiteX16" fmla="*/ 176468 w 2089376"/>
-              <a:gd name="connsiteY16" fmla="*/ 738905 h 3614056"/>
-              <a:gd name="connsiteX17" fmla="*/ 1959892 w 2089376"/>
-              <a:gd name="connsiteY17" fmla="*/ 738905 h 3614056"/>
-              <a:gd name="connsiteX18" fmla="*/ 1959892 w 2089376"/>
-              <a:gd name="connsiteY18" fmla="*/ 2875208 h 3614056"/>
-              <a:gd name="connsiteX19" fmla="*/ 176468 w 2089376"/>
-              <a:gd name="connsiteY19" fmla="*/ 2875208 h 3614056"/>
-              <a:gd name="connsiteX20" fmla="*/ 176468 w 2089376"/>
-              <a:gd name="connsiteY20" fmla="*/ 738905 h 3614056"/>
-              <a:gd name="connsiteX21" fmla="*/ 1068180 w 2089376"/>
-              <a:gd name="connsiteY21" fmla="*/ 3045747 h 3614056"/>
-              <a:gd name="connsiteX22" fmla="*/ 1068180 w 2089376"/>
-              <a:gd name="connsiteY22" fmla="*/ 3045747 h 3614056"/>
-              <a:gd name="connsiteX23" fmla="*/ 1267066 w 2089376"/>
-              <a:gd name="connsiteY23" fmla="*/ 3244633 h 3614056"/>
-              <a:gd name="connsiteX24" fmla="*/ 1267066 w 2089376"/>
-              <a:gd name="connsiteY24" fmla="*/ 3244633 h 3614056"/>
-              <a:gd name="connsiteX25" fmla="*/ 1267066 w 2089376"/>
-              <a:gd name="connsiteY25" fmla="*/ 3244633 h 3614056"/>
-              <a:gd name="connsiteX26" fmla="*/ 1267066 w 2089376"/>
-              <a:gd name="connsiteY26" fmla="*/ 3244633 h 3614056"/>
-              <a:gd name="connsiteX27" fmla="*/ 1068180 w 2089376"/>
-              <a:gd name="connsiteY27" fmla="*/ 3443519 h 3614056"/>
-              <a:gd name="connsiteX28" fmla="*/ 1068180 w 2089376"/>
-              <a:gd name="connsiteY28" fmla="*/ 3443519 h 3614056"/>
-              <a:gd name="connsiteX29" fmla="*/ 1068180 w 2089376"/>
-              <a:gd name="connsiteY29" fmla="*/ 3443519 h 3614056"/>
-              <a:gd name="connsiteX30" fmla="*/ 1068180 w 2089376"/>
-              <a:gd name="connsiteY30" fmla="*/ 3443519 h 3614056"/>
-              <a:gd name="connsiteX31" fmla="*/ 869294 w 2089376"/>
-              <a:gd name="connsiteY31" fmla="*/ 3244633 h 3614056"/>
-              <a:gd name="connsiteX32" fmla="*/ 869294 w 2089376"/>
-              <a:gd name="connsiteY32" fmla="*/ 3244633 h 3614056"/>
-              <a:gd name="connsiteX33" fmla="*/ 869294 w 2089376"/>
-              <a:gd name="connsiteY33" fmla="*/ 3244633 h 3614056"/>
-              <a:gd name="connsiteX34" fmla="*/ 869294 w 2089376"/>
-              <a:gd name="connsiteY34" fmla="*/ 3244633 h 3614056"/>
-              <a:gd name="connsiteX35" fmla="*/ 1068180 w 2089376"/>
-              <a:gd name="connsiteY35" fmla="*/ 3045747 h 3614056"/>
-              <a:gd name="connsiteX36" fmla="*/ 1068180 w 2089376"/>
-              <a:gd name="connsiteY36" fmla="*/ 3045747 h 3614056"/>
-              <a:gd name="connsiteX37" fmla="*/ 1068180 w 2089376"/>
-              <a:gd name="connsiteY37" fmla="*/ 3045747 h 3614056"/>
-            </a:gdLst>
-            <a:ahLst/>
-            <a:cxnLst>
-              <a:cxn ang="0">
-                <a:pos x="connsiteX0" y="connsiteY0"/>
-              </a:cxn>
-              <a:cxn ang="0">
-                <a:pos x="connsiteX1" y="connsiteY1"/>
-              </a:cxn>
-              <a:cxn ang="0">
-                <a:pos x="connsiteX2" y="connsiteY2"/>
-              </a:cxn>
-              <a:cxn ang="0">
-                <a:pos x="connsiteX3" y="connsiteY3"/>
-              </a:cxn>
-              <a:cxn ang="0">
-                <a:pos x="connsiteX4" y="connsiteY4"/>
-              </a:cxn>
-              <a:cxn ang="0">
-                <a:pos x="connsiteX5" y="connsiteY5"/>
-              </a:cxn>
-              <a:cxn ang="0">
-                <a:pos x="connsiteX6" y="connsiteY6"/>
-              </a:cxn>
-              <a:cxn ang="0">
-                <a:pos x="connsiteX7" y="connsiteY7"/>
-              </a:cxn>
-              <a:cxn ang="0">
-                <a:pos x="connsiteX8" y="connsiteY8"/>
-              </a:cxn>
-              <a:cxn ang="0">
-                <a:pos x="connsiteX9" y="connsiteY9"/>
-              </a:cxn>
-              <a:cxn ang="0">
-                <a:pos x="connsiteX10" y="connsiteY10"/>
-              </a:cxn>
-              <a:cxn ang="0">
-                <a:pos x="connsiteX11" y="connsiteY11"/>
-              </a:cxn>
-              <a:cxn ang="0">
-                <a:pos x="connsiteX12" y="connsiteY12"/>
-              </a:cxn>
-              <a:cxn ang="0">
-                <a:pos x="connsiteX13" y="connsiteY13"/>
-              </a:cxn>
-              <a:cxn ang="0">
-                <a:pos x="connsiteX14" y="connsiteY14"/>
-              </a:cxn>
-              <a:cxn ang="0">
-                <a:pos x="connsiteX15" y="connsiteY15"/>
-              </a:cxn>
-              <a:cxn ang="0">
-                <a:pos x="connsiteX16" y="connsiteY16"/>
-              </a:cxn>
-              <a:cxn ang="0">
-                <a:pos x="connsiteX17" y="connsiteY17"/>
-              </a:cxn>
-              <a:cxn ang="0">
-                <a:pos x="connsiteX18" y="connsiteY18"/>
-              </a:cxn>
-              <a:cxn ang="0">
-                <a:pos x="connsiteX19" y="connsiteY19"/>
-              </a:cxn>
-              <a:cxn ang="0">
-                <a:pos x="connsiteX20" y="connsiteY20"/>
-              </a:cxn>
-              <a:cxn ang="0">
-                <a:pos x="connsiteX21" y="connsiteY21"/>
-              </a:cxn>
-              <a:cxn ang="0">
-                <a:pos x="connsiteX22" y="connsiteY22"/>
-              </a:cxn>
-              <a:cxn ang="0">
-                <a:pos x="connsiteX23" y="connsiteY23"/>
-              </a:cxn>
-              <a:cxn ang="0">
-                <a:pos x="connsiteX24" y="connsiteY24"/>
-              </a:cxn>
-              <a:cxn ang="0">
-                <a:pos x="connsiteX25" y="connsiteY25"/>
-              </a:cxn>
-              <a:cxn ang="0">
-                <a:pos x="connsiteX26" y="connsiteY26"/>
-              </a:cxn>
-              <a:cxn ang="0">
-                <a:pos x="connsiteX27" y="connsiteY27"/>
-              </a:cxn>
-              <a:cxn ang="0">
-                <a:pos x="connsiteX28" y="connsiteY28"/>
-              </a:cxn>
-              <a:cxn ang="0">
-                <a:pos x="connsiteX29" y="connsiteY29"/>
-              </a:cxn>
-              <a:cxn ang="0">
-                <a:pos x="connsiteX30" y="connsiteY30"/>
-              </a:cxn>
-              <a:cxn ang="0">
-                <a:pos x="connsiteX31" y="connsiteY31"/>
-              </a:cxn>
-              <a:cxn ang="0">
-                <a:pos x="connsiteX32" y="connsiteY32"/>
-              </a:cxn>
-              <a:cxn ang="0">
-                <a:pos x="connsiteX33" y="connsiteY33"/>
-              </a:cxn>
-              <a:cxn ang="0">
-                <a:pos x="connsiteX34" y="connsiteY34"/>
-              </a:cxn>
-              <a:cxn ang="0">
-                <a:pos x="connsiteX35" y="connsiteY35"/>
-              </a:cxn>
-              <a:cxn ang="0">
-                <a:pos x="connsiteX36" y="connsiteY36"/>
-              </a:cxn>
-              <a:cxn ang="0">
-                <a:pos x="connsiteX37" y="connsiteY37"/>
-              </a:cxn>
-            </a:cxnLst>
-            <a:rect l="l" t="t" r="r" b="b"/>
-            <a:pathLst>
-              <a:path w="2089376" h="3614056">
-                <a:moveTo>
-                  <a:pt x="321256" y="0"/>
-                </a:moveTo>
-                <a:cubicBezTo>
-                  <a:pt x="144562" y="0"/>
-                  <a:pt x="0" y="144562"/>
-                  <a:pt x="0" y="321256"/>
-                </a:cubicBezTo>
-                <a:lnTo>
-                  <a:pt x="0" y="3292801"/>
-                </a:lnTo>
-                <a:cubicBezTo>
-                  <a:pt x="0" y="3469495"/>
-                  <a:pt x="144562" y="3614057"/>
-                  <a:pt x="321256" y="3614057"/>
-                </a:cubicBezTo>
-                <a:lnTo>
-                  <a:pt x="1815047" y="3614057"/>
-                </a:lnTo>
-                <a:cubicBezTo>
-                  <a:pt x="1991741" y="3614057"/>
-                  <a:pt x="2136303" y="3469495"/>
-                  <a:pt x="2136303" y="3292801"/>
-                </a:cubicBezTo>
-                <a:lnTo>
-                  <a:pt x="2136303" y="321256"/>
-                </a:lnTo>
-                <a:cubicBezTo>
-                  <a:pt x="2136303" y="144562"/>
-                  <a:pt x="1991741" y="0"/>
-                  <a:pt x="1815047" y="0"/>
-                </a:cubicBezTo>
-                <a:lnTo>
-                  <a:pt x="321256" y="0"/>
-                </a:lnTo>
-                <a:close/>
-                <a:moveTo>
-                  <a:pt x="889115" y="309397"/>
-                </a:moveTo>
-                <a:lnTo>
-                  <a:pt x="1247302" y="309397"/>
-                </a:lnTo>
-                <a:cubicBezTo>
-                  <a:pt x="1270849" y="309397"/>
-                  <a:pt x="1289936" y="336390"/>
-                  <a:pt x="1289936" y="369650"/>
-                </a:cubicBezTo>
-                <a:cubicBezTo>
-                  <a:pt x="1289936" y="402911"/>
-                  <a:pt x="1270849" y="429903"/>
-                  <a:pt x="1247302" y="429903"/>
-                </a:cubicBezTo>
-                <a:lnTo>
-                  <a:pt x="889115" y="429903"/>
-                </a:lnTo>
-                <a:cubicBezTo>
-                  <a:pt x="865567" y="429903"/>
-                  <a:pt x="846480" y="402911"/>
-                  <a:pt x="846480" y="369650"/>
-                </a:cubicBezTo>
-                <a:cubicBezTo>
-                  <a:pt x="846480" y="336390"/>
-                  <a:pt x="865567" y="309397"/>
-                  <a:pt x="889115" y="309397"/>
-                </a:cubicBezTo>
-                <a:close/>
-                <a:moveTo>
-                  <a:pt x="176468" y="738905"/>
-                </a:moveTo>
-                <a:lnTo>
-                  <a:pt x="1959892" y="738905"/>
-                </a:lnTo>
-                <a:lnTo>
-                  <a:pt x="1959892" y="2875208"/>
-                </a:lnTo>
-                <a:lnTo>
-                  <a:pt x="176468" y="2875208"/>
-                </a:lnTo>
-                <a:lnTo>
-                  <a:pt x="176468" y="738905"/>
-                </a:lnTo>
-                <a:close/>
-                <a:moveTo>
-                  <a:pt x="1068180" y="3045747"/>
-                </a:moveTo>
-                <a:cubicBezTo>
-                  <a:pt x="1068180" y="3045747"/>
-                  <a:pt x="1068180" y="3045747"/>
-                  <a:pt x="1068180" y="3045747"/>
-                </a:cubicBezTo>
-                <a:cubicBezTo>
-                  <a:pt x="1178013" y="3045747"/>
-                  <a:pt x="1267066" y="3134799"/>
-                  <a:pt x="1267066" y="3244633"/>
-                </a:cubicBezTo>
-                <a:cubicBezTo>
-                  <a:pt x="1267066" y="3244633"/>
-                  <a:pt x="1267066" y="3244633"/>
-                  <a:pt x="1267066" y="3244633"/>
-                </a:cubicBezTo>
-                <a:lnTo>
-                  <a:pt x="1267066" y="3244633"/>
-                </a:lnTo>
-                <a:cubicBezTo>
-                  <a:pt x="1267066" y="3244633"/>
-                  <a:pt x="1267066" y="3244633"/>
-                  <a:pt x="1267066" y="3244633"/>
-                </a:cubicBezTo>
-                <a:cubicBezTo>
-                  <a:pt x="1267066" y="3354466"/>
-                  <a:pt x="1178013" y="3443519"/>
-                  <a:pt x="1068180" y="3443519"/>
-                </a:cubicBezTo>
-                <a:cubicBezTo>
-                  <a:pt x="1068180" y="3443519"/>
-                  <a:pt x="1068180" y="3443519"/>
-                  <a:pt x="1068180" y="3443519"/>
-                </a:cubicBezTo>
-                <a:lnTo>
-                  <a:pt x="1068180" y="3443519"/>
-                </a:lnTo>
-                <a:cubicBezTo>
-                  <a:pt x="1068180" y="3443519"/>
-                  <a:pt x="1068180" y="3443519"/>
-                  <a:pt x="1068180" y="3443519"/>
-                </a:cubicBezTo>
-                <a:cubicBezTo>
-                  <a:pt x="958346" y="3443519"/>
-                  <a:pt x="869294" y="3354466"/>
-                  <a:pt x="869294" y="3244633"/>
-                </a:cubicBezTo>
-                <a:cubicBezTo>
-                  <a:pt x="869294" y="3244633"/>
-                  <a:pt x="869294" y="3244633"/>
-                  <a:pt x="869294" y="3244633"/>
-                </a:cubicBezTo>
-                <a:lnTo>
-                  <a:pt x="869294" y="3244633"/>
-                </a:lnTo>
-                <a:cubicBezTo>
-                  <a:pt x="869294" y="3244633"/>
-                  <a:pt x="869294" y="3244633"/>
-                  <a:pt x="869294" y="3244633"/>
-                </a:cubicBezTo>
-                <a:cubicBezTo>
-                  <a:pt x="869294" y="3134799"/>
-                  <a:pt x="958346" y="3045747"/>
-                  <a:pt x="1068180" y="3045747"/>
-                </a:cubicBezTo>
-                <a:cubicBezTo>
-                  <a:pt x="1068180" y="3045747"/>
-                  <a:pt x="1068180" y="3045747"/>
-                  <a:pt x="1068180" y="3045747"/>
-                </a:cubicBezTo>
-                <a:lnTo>
-                  <a:pt x="1068180" y="3045747"/>
-                </a:lnTo>
-                <a:close/>
-              </a:path>
-            </a:pathLst>
-          </a:custGeom>
-          <a:solidFill>
-            <a:schemeClr val="tx1"/>
-          </a:solidFill>
-          <a:ln w="56406" cap="flat">
-            <a:noFill/>
-            <a:prstDash val="solid"/>
-            <a:miter/>
-          </a:ln>
-        </p:spPr>
-        <p:txBody>
-          <a:bodyPr rtlCol="0" anchor="ctr"/>
-          <a:lstStyle/>
-          <a:p>
-            <a:endParaRPr lang="en-US"/>
-          </a:p>
-        </p:txBody>
-      </p:sp>
-      <p:sp>
-        <p:nvSpPr>
-          <p:cNvPr id="27" name="TextBox 26">
-            <a:extLst>
-              <a:ext uri="{FF2B5EF4-FFF2-40B4-BE49-F238E27FC236}">
-                <a16:creationId xmlns:a16="http://schemas.microsoft.com/office/drawing/2014/main" id="{8FB77DFD-0A5C-8858-C5A2-DB74B1E9B59B}"/>
-              </a:ext>
-            </a:extLst>
-          </p:cNvPr>
-          <p:cNvSpPr txBox="1"/>
-          <p:nvPr/>
-        </p:nvSpPr>
-        <p:spPr>
-          <a:xfrm>
-            <a:off x="4060153" y="5182764"/>
-            <a:ext cx="3518963" cy="1292662"/>
-          </a:xfrm>
-          <a:prstGeom prst="rect">
-            <a:avLst/>
-          </a:prstGeom>
-          <a:noFill/>
-        </p:spPr>
-        <p:txBody>
-          <a:bodyPr wrap="square" rtlCol="0">
-            <a:spAutoFit/>
-          </a:bodyPr>
-          <a:lstStyle/>
-          <a:p>
-            <a:r>
-              <a:rPr lang="en-US" sz="2600" dirty="0">
-                <a:latin typeface="Verdana" panose="020B0604030504040204" pitchFamily="34" charset="0"/>
-                <a:ea typeface="Verdana" panose="020B0604030504040204" pitchFamily="34" charset="0"/>
-              </a:rPr>
-              <a:t>Take a picture for online version with links</a:t>
-            </a:r>
-          </a:p>
-        </p:txBody>
-      </p:sp>
-      <p:cxnSp>
-        <p:nvCxnSpPr>
-          <p:cNvPr id="28" name="Straight Arrow Connector 27">
-            <a:extLst>
-              <a:ext uri="{FF2B5EF4-FFF2-40B4-BE49-F238E27FC236}">
-                <a16:creationId xmlns:a16="http://schemas.microsoft.com/office/drawing/2014/main" id="{6A1BA339-CAEB-C5DC-B3BE-A7FF0F57D214}"/>
-              </a:ext>
-            </a:extLst>
-          </p:cNvPr>
-          <p:cNvCxnSpPr>
-            <a:cxnSpLocks/>
-          </p:cNvCxnSpPr>
-          <p:nvPr/>
-        </p:nvCxnSpPr>
-        <p:spPr>
-          <a:xfrm flipH="1">
-            <a:off x="4116986" y="4253718"/>
-            <a:ext cx="1297464" cy="0"/>
-          </a:xfrm>
-          <a:prstGeom prst="straightConnector1">
-            <a:avLst/>
-          </a:prstGeom>
-          <a:ln w="66675">
-            <a:solidFill>
-              <a:schemeClr val="tx1"/>
-            </a:solidFill>
-            <a:prstDash val="sysDot"/>
-            <a:tailEnd type="triangle"/>
-          </a:ln>
-        </p:spPr>
-        <p:style>
-          <a:lnRef idx="1">
-            <a:schemeClr val="accent1"/>
-          </a:lnRef>
-          <a:fillRef idx="0">
-            <a:schemeClr val="accent1"/>
-          </a:fillRef>
-          <a:effectRef idx="0">
-            <a:schemeClr val="accent1"/>
-          </a:effectRef>
-          <a:fontRef idx="minor">
-            <a:schemeClr val="tx1"/>
-          </a:fontRef>
-        </p:style>
-      </p:cxnSp>
       <p:pic>
         <p:nvPicPr>
           <p:cNvPr id="30" name="Picture 29" descr="A picture containing graphics, text, graphic design, font&#10;&#10;Description automatically generated">
@@ -7752,7 +7016,7 @@
           <p:nvPr/>
         </p:nvPicPr>
         <p:blipFill>
-          <a:blip r:embed="rId37">
+          <a:blip r:embed="rId35">
             <a:extLst>
               <a:ext uri="{28A0092B-C50C-407E-A947-70E740481C1C}">
                 <a14:useLocalDpi xmlns:a14="http://schemas.microsoft.com/office/drawing/2010/main" val="0"/>
@@ -7791,11 +7055,11 @@
           <p:nvPr/>
         </p:nvPicPr>
         <p:blipFill>
-          <a:blip r:embed="rId38">
+          <a:blip r:embed="rId36">
             <a:extLst>
               <a:ext uri="{BEBA8EAE-BF5A-486C-A8C5-ECC9F3942E4B}">
                 <a14:imgProps xmlns:a14="http://schemas.microsoft.com/office/drawing/2010/main">
-                  <a14:imgLayer r:embed="rId39">
+                  <a14:imgLayer r:embed="rId37">
                     <a14:imgEffect>
                       <a14:saturation sat="200000"/>
                     </a14:imgEffect>
@@ -7823,10 +7087,57 @@
       </p:pic>
       <p:pic>
         <p:nvPicPr>
-          <p:cNvPr id="6" name="Picture 5" descr="A picture containing black, darkness&#10;&#10;Description automatically generated">
+          <p:cNvPr id="1026" name="Picture 2">
             <a:extLst>
               <a:ext uri="{FF2B5EF4-FFF2-40B4-BE49-F238E27FC236}">
-                <a16:creationId xmlns:a16="http://schemas.microsoft.com/office/drawing/2014/main" id="{E355843B-43FA-CBE0-AEE1-9B28F002B97E}"/>
+                <a16:creationId xmlns:a16="http://schemas.microsoft.com/office/drawing/2014/main" id="{E4F4586B-C3DF-8942-60AC-3C30E5228A88}"/>
+              </a:ext>
+            </a:extLst>
+          </p:cNvPr>
+          <p:cNvPicPr>
+            <a:picLocks noChangeAspect="1" noChangeArrowheads="1"/>
+          </p:cNvPicPr>
+          <p:nvPr/>
+        </p:nvPicPr>
+        <p:blipFill>
+          <a:blip r:embed="rId38">
+            <a:extLst>
+              <a:ext uri="{28A0092B-C50C-407E-A947-70E740481C1C}">
+                <a14:useLocalDpi xmlns:a14="http://schemas.microsoft.com/office/drawing/2010/main" val="0"/>
+              </a:ext>
+            </a:extLst>
+          </a:blip>
+          <a:srcRect/>
+          <a:stretch>
+            <a:fillRect/>
+          </a:stretch>
+        </p:blipFill>
+        <p:spPr bwMode="auto">
+          <a:xfrm>
+            <a:off x="28996593" y="17335085"/>
+            <a:ext cx="2148840" cy="2148840"/>
+          </a:xfrm>
+          <a:prstGeom prst="rect">
+            <a:avLst/>
+          </a:prstGeom>
+          <a:noFill/>
+          <a:extLst>
+            <a:ext uri="{909E8E84-426E-40DD-AFC4-6F175D3DCCD1}">
+              <a14:hiddenFill xmlns:a14="http://schemas.microsoft.com/office/drawing/2010/main">
+                <a:solidFill>
+                  <a:srgbClr val="FFFFFF"/>
+                </a:solidFill>
+              </a14:hiddenFill>
+            </a:ext>
+          </a:extLst>
+        </p:spPr>
+      </p:pic>
+      <p:pic>
+        <p:nvPicPr>
+          <p:cNvPr id="5" name="Graphic 4" descr="Users with solid fill">
+            <a:extLst>
+              <a:ext uri="{FF2B5EF4-FFF2-40B4-BE49-F238E27FC236}">
+                <a16:creationId xmlns:a16="http://schemas.microsoft.com/office/drawing/2014/main" id="{DD3F23B9-84D2-9DD4-1926-12B882120E44}"/>
               </a:ext>
             </a:extLst>
           </p:cNvPr>
@@ -7836,10 +7147,13 @@
           <p:nvPr/>
         </p:nvPicPr>
         <p:blipFill>
-          <a:blip r:embed="rId40">
+          <a:blip r:embed="rId32">
             <a:extLst>
               <a:ext uri="{28A0092B-C50C-407E-A947-70E740481C1C}">
                 <a14:useLocalDpi xmlns:a14="http://schemas.microsoft.com/office/drawing/2010/main" val="0"/>
+              </a:ext>
+              <a:ext uri="{96DAC541-7B7A-43D3-8B79-37D633B846F1}">
+                <asvg:svgBlip xmlns:asvg="http://schemas.microsoft.com/office/drawing/2016/SVG/main" r:embed="rId33"/>
               </a:ext>
             </a:extLst>
           </a:blip>
@@ -7849,8 +7163,8 @@
         </p:blipFill>
         <p:spPr>
           <a:xfrm>
-            <a:off x="73152" y="2695956"/>
-            <a:ext cx="4286250" cy="4286250"/>
+            <a:off x="14551504" y="16577933"/>
+            <a:ext cx="914400" cy="914400"/>
           </a:xfrm>
           <a:prstGeom prst="rect">
             <a:avLst/>
@@ -8427,29 +7741,10 @@
 </file>
 
 <file path=customXml/item1.xml><?xml version="1.0" encoding="utf-8"?>
-<?mso-contentType ?>
-<FormTemplates xmlns="http://schemas.microsoft.com/sharepoint/v3/contenttype/forms">
-  <Display>DocumentLibraryForm</Display>
-  <Edit>DocumentLibraryForm</Edit>
-  <New>DocumentLibraryForm</New>
-</FormTemplates>
+<LongProperties xmlns="http://schemas.microsoft.com/office/2006/metadata/longProperties"/>
 </file>
 
 <file path=customXml/item2.xml><?xml version="1.0" encoding="utf-8"?>
-<p:properties xmlns:p="http://schemas.microsoft.com/office/2006/metadata/properties" xmlns:xsi="http://www.w3.org/2001/XMLSchema-instance" xmlns:pc="http://schemas.microsoft.com/office/infopath/2007/PartnerControls">
-  <documentManagement>
-    <SharedWithUsers xmlns="6955d8ef-beda-4a09-a6c0-ad4d39689a90">
-      <UserInfo>
-        <DisplayName>John Johnson (Biostatistics)</DisplayName>
-        <AccountId>13073</AccountId>
-        <AccountType/>
-      </UserInfo>
-    </SharedWithUsers>
-  </documentManagement>
-</p:properties>
-</file>
-
-<file path=customXml/item3.xml><?xml version="1.0" encoding="utf-8"?>
 <ct:contentTypeSchema xmlns:ct="http://schemas.microsoft.com/office/2006/metadata/contentType" xmlns:ma="http://schemas.microsoft.com/office/2006/metadata/properties/metaAttributes" ct:_="" ma:_="" ma:contentTypeName="Document" ma:contentTypeID="0x010100EB8EBD7C55C1C94C90AD54E14B6E6FAC" ma:contentTypeVersion="9" ma:contentTypeDescription="Create a new document." ma:contentTypeScope="" ma:versionID="75af18478ee7798aa92a49e07410905e">
   <xsd:schema xmlns:xsd="http://www.w3.org/2001/XMLSchema" xmlns:xs="http://www.w3.org/2001/XMLSchema" xmlns:p="http://schemas.microsoft.com/office/2006/metadata/properties" xmlns:ns2="cee4628e-b01c-47e0-af0f-96fa50af9b30" xmlns:ns3="6955d8ef-beda-4a09-a6c0-ad4d39689a90" targetNamespace="http://schemas.microsoft.com/office/2006/metadata/properties" ma:root="true" ma:fieldsID="e3cda8f28100187f4f83c6454e85bbbf" ns2:_="" ns3:_="">
     <xsd:import namespace="cee4628e-b01c-47e0-af0f-96fa50af9b30"/>
@@ -8646,36 +7941,38 @@
 </ct:contentTypeSchema>
 </file>
 
+<file path=customXml/item3.xml><?xml version="1.0" encoding="utf-8"?>
+<p:properties xmlns:p="http://schemas.microsoft.com/office/2006/metadata/properties" xmlns:xsi="http://www.w3.org/2001/XMLSchema-instance" xmlns:pc="http://schemas.microsoft.com/office/infopath/2007/PartnerControls">
+  <documentManagement>
+    <SharedWithUsers xmlns="6955d8ef-beda-4a09-a6c0-ad4d39689a90">
+      <UserInfo>
+        <DisplayName>John Johnson (Biostatistics)</DisplayName>
+        <AccountId>13073</AccountId>
+        <AccountType/>
+      </UserInfo>
+    </SharedWithUsers>
+  </documentManagement>
+</p:properties>
+</file>
+
 <file path=customXml/item4.xml><?xml version="1.0" encoding="utf-8"?>
-<LongProperties xmlns="http://schemas.microsoft.com/office/2006/metadata/longProperties"/>
+<?mso-contentType ?>
+<FormTemplates xmlns="http://schemas.microsoft.com/sharepoint/v3/contenttype/forms">
+  <Display>DocumentLibraryForm</Display>
+  <Edit>DocumentLibraryForm</Edit>
+  <New>DocumentLibraryForm</New>
+</FormTemplates>
 </file>
 
 <file path=customXml/itemProps1.xml><?xml version="1.0" encoding="utf-8"?>
-<ds:datastoreItem xmlns:ds="http://schemas.openxmlformats.org/officeDocument/2006/customXml" ds:itemID="{1C569C6A-DEBE-4D9C-8E15-430F7F714D9D}">
+<ds:datastoreItem xmlns:ds="http://schemas.openxmlformats.org/officeDocument/2006/customXml" ds:itemID="{B790CF50-EF25-4EF7-8003-958B7B6BE4E1}">
   <ds:schemaRefs>
-    <ds:schemaRef ds:uri="http://schemas.microsoft.com/sharepoint/v3/contenttype/forms"/>
+    <ds:schemaRef ds:uri="http://schemas.microsoft.com/office/2006/metadata/longProperties"/>
   </ds:schemaRefs>
 </ds:datastoreItem>
 </file>
 
 <file path=customXml/itemProps2.xml><?xml version="1.0" encoding="utf-8"?>
-<ds:datastoreItem xmlns:ds="http://schemas.openxmlformats.org/officeDocument/2006/customXml" ds:itemID="{485FFFB2-9D56-4FD3-8433-ADA4DE7FECA4}">
-  <ds:schemaRefs>
-    <ds:schemaRef ds:uri="http://schemas.microsoft.com/office/infopath/2007/PartnerControls"/>
-    <ds:schemaRef ds:uri="6955d8ef-beda-4a09-a6c0-ad4d39689a90"/>
-    <ds:schemaRef ds:uri="http://purl.org/dc/elements/1.1/"/>
-    <ds:schemaRef ds:uri="http://schemas.microsoft.com/office/2006/metadata/properties"/>
-    <ds:schemaRef ds:uri="http://schemas.microsoft.com/office/2006/documentManagement/types"/>
-    <ds:schemaRef ds:uri="cee4628e-b01c-47e0-af0f-96fa50af9b30"/>
-    <ds:schemaRef ds:uri="http://purl.org/dc/terms/"/>
-    <ds:schemaRef ds:uri="http://schemas.openxmlformats.org/package/2006/metadata/core-properties"/>
-    <ds:schemaRef ds:uri="http://purl.org/dc/dcmitype/"/>
-    <ds:schemaRef ds:uri="http://www.w3.org/XML/1998/namespace"/>
-  </ds:schemaRefs>
-</ds:datastoreItem>
-</file>
-
-<file path=customXml/itemProps3.xml><?xml version="1.0" encoding="utf-8"?>
 <ds:datastoreItem xmlns:ds="http://schemas.openxmlformats.org/officeDocument/2006/customXml" ds:itemID="{AAF93FFF-F82B-4301-A0CF-F881D1FBD977}">
   <ds:schemaRefs>
     <ds:schemaRef ds:uri="6955d8ef-beda-4a09-a6c0-ad4d39689a90"/>
@@ -8694,10 +7991,27 @@
 </ds:datastoreItem>
 </file>
 
+<file path=customXml/itemProps3.xml><?xml version="1.0" encoding="utf-8"?>
+<ds:datastoreItem xmlns:ds="http://schemas.openxmlformats.org/officeDocument/2006/customXml" ds:itemID="{485FFFB2-9D56-4FD3-8433-ADA4DE7FECA4}">
+  <ds:schemaRefs>
+    <ds:schemaRef ds:uri="http://schemas.microsoft.com/office/infopath/2007/PartnerControls"/>
+    <ds:schemaRef ds:uri="6955d8ef-beda-4a09-a6c0-ad4d39689a90"/>
+    <ds:schemaRef ds:uri="http://purl.org/dc/elements/1.1/"/>
+    <ds:schemaRef ds:uri="http://schemas.microsoft.com/office/2006/metadata/properties"/>
+    <ds:schemaRef ds:uri="http://schemas.microsoft.com/office/2006/documentManagement/types"/>
+    <ds:schemaRef ds:uri="cee4628e-b01c-47e0-af0f-96fa50af9b30"/>
+    <ds:schemaRef ds:uri="http://purl.org/dc/terms/"/>
+    <ds:schemaRef ds:uri="http://schemas.openxmlformats.org/package/2006/metadata/core-properties"/>
+    <ds:schemaRef ds:uri="http://purl.org/dc/dcmitype/"/>
+    <ds:schemaRef ds:uri="http://www.w3.org/XML/1998/namespace"/>
+  </ds:schemaRefs>
+</ds:datastoreItem>
+</file>
+
 <file path=customXml/itemProps4.xml><?xml version="1.0" encoding="utf-8"?>
-<ds:datastoreItem xmlns:ds="http://schemas.openxmlformats.org/officeDocument/2006/customXml" ds:itemID="{B790CF50-EF25-4EF7-8003-958B7B6BE4E1}">
+<ds:datastoreItem xmlns:ds="http://schemas.openxmlformats.org/officeDocument/2006/customXml" ds:itemID="{1C569C6A-DEBE-4D9C-8E15-430F7F714D9D}">
   <ds:schemaRefs>
-    <ds:schemaRef ds:uri="http://schemas.microsoft.com/office/2006/metadata/longProperties"/>
+    <ds:schemaRef ds:uri="http://schemas.microsoft.com/sharepoint/v3/contenttype/forms"/>
   </ds:schemaRefs>
 </ds:datastoreItem>
 </file>